--- a/JavaScript/Week6/Week6.pptx
+++ b/JavaScript/Week6/Week6.pptx
@@ -7,8 +7,9 @@
   <p:sldIdLst>
     <p:sldId id="256" r:id="rId2"/>
     <p:sldId id="257" r:id="rId3"/>
-    <p:sldId id="258" r:id="rId4"/>
-    <p:sldId id="259" r:id="rId5"/>
+    <p:sldId id="260" r:id="rId4"/>
+    <p:sldId id="258" r:id="rId5"/>
+    <p:sldId id="259" r:id="rId6"/>
   </p:sldIdLst>
   <p:sldSz cx="12192000" cy="6858000"/>
   <p:notesSz cx="6858000" cy="9144000"/>
@@ -246,7 +247,7 @@
           <a:p>
             <a:fld id="{F28A4246-F2A7-4220-A405-8A96DAE08D6A}" type="datetimeFigureOut">
               <a:rPr lang="en-US" smtClean="0"/>
-              <a:t>10/3/24</a:t>
+              <a:t>10/8/24</a:t>
             </a:fld>
             <a:endParaRPr lang="en-US"/>
           </a:p>
@@ -416,7 +417,7 @@
           <a:p>
             <a:fld id="{F28A4246-F2A7-4220-A405-8A96DAE08D6A}" type="datetimeFigureOut">
               <a:rPr lang="en-US" smtClean="0"/>
-              <a:t>10/3/24</a:t>
+              <a:t>10/8/24</a:t>
             </a:fld>
             <a:endParaRPr lang="en-US"/>
           </a:p>
@@ -596,7 +597,7 @@
           <a:p>
             <a:fld id="{F28A4246-F2A7-4220-A405-8A96DAE08D6A}" type="datetimeFigureOut">
               <a:rPr lang="en-US" smtClean="0"/>
-              <a:t>10/3/24</a:t>
+              <a:t>10/8/24</a:t>
             </a:fld>
             <a:endParaRPr lang="en-US"/>
           </a:p>
@@ -766,7 +767,7 @@
           <a:p>
             <a:fld id="{F28A4246-F2A7-4220-A405-8A96DAE08D6A}" type="datetimeFigureOut">
               <a:rPr lang="en-US" smtClean="0"/>
-              <a:t>10/3/24</a:t>
+              <a:t>10/8/24</a:t>
             </a:fld>
             <a:endParaRPr lang="en-US"/>
           </a:p>
@@ -1012,7 +1013,7 @@
           <a:p>
             <a:fld id="{F28A4246-F2A7-4220-A405-8A96DAE08D6A}" type="datetimeFigureOut">
               <a:rPr lang="en-US" smtClean="0"/>
-              <a:t>10/3/24</a:t>
+              <a:t>10/8/24</a:t>
             </a:fld>
             <a:endParaRPr lang="en-US"/>
           </a:p>
@@ -1244,7 +1245,7 @@
           <a:p>
             <a:fld id="{F28A4246-F2A7-4220-A405-8A96DAE08D6A}" type="datetimeFigureOut">
               <a:rPr lang="en-US" smtClean="0"/>
-              <a:t>10/3/24</a:t>
+              <a:t>10/8/24</a:t>
             </a:fld>
             <a:endParaRPr lang="en-US"/>
           </a:p>
@@ -1611,7 +1612,7 @@
           <a:p>
             <a:fld id="{F28A4246-F2A7-4220-A405-8A96DAE08D6A}" type="datetimeFigureOut">
               <a:rPr lang="en-US" smtClean="0"/>
-              <a:t>10/3/24</a:t>
+              <a:t>10/8/24</a:t>
             </a:fld>
             <a:endParaRPr lang="en-US"/>
           </a:p>
@@ -1729,7 +1730,7 @@
           <a:p>
             <a:fld id="{F28A4246-F2A7-4220-A405-8A96DAE08D6A}" type="datetimeFigureOut">
               <a:rPr lang="en-US" smtClean="0"/>
-              <a:t>10/3/24</a:t>
+              <a:t>10/8/24</a:t>
             </a:fld>
             <a:endParaRPr lang="en-US"/>
           </a:p>
@@ -1824,7 +1825,7 @@
           <a:p>
             <a:fld id="{F28A4246-F2A7-4220-A405-8A96DAE08D6A}" type="datetimeFigureOut">
               <a:rPr lang="en-US" smtClean="0"/>
-              <a:t>10/3/24</a:t>
+              <a:t>10/8/24</a:t>
             </a:fld>
             <a:endParaRPr lang="en-US"/>
           </a:p>
@@ -2101,7 +2102,7 @@
           <a:p>
             <a:fld id="{F28A4246-F2A7-4220-A405-8A96DAE08D6A}" type="datetimeFigureOut">
               <a:rPr lang="en-US" smtClean="0"/>
-              <a:t>10/3/24</a:t>
+              <a:t>10/8/24</a:t>
             </a:fld>
             <a:endParaRPr lang="en-US"/>
           </a:p>
@@ -2358,7 +2359,7 @@
           <a:p>
             <a:fld id="{F28A4246-F2A7-4220-A405-8A96DAE08D6A}" type="datetimeFigureOut">
               <a:rPr lang="en-US" smtClean="0"/>
-              <a:t>10/3/24</a:t>
+              <a:t>10/8/24</a:t>
             </a:fld>
             <a:endParaRPr lang="en-US"/>
           </a:p>
@@ -2571,7 +2572,7 @@
           <a:p>
             <a:fld id="{F28A4246-F2A7-4220-A405-8A96DAE08D6A}" type="datetimeFigureOut">
               <a:rPr lang="en-US" smtClean="0"/>
-              <a:t>10/3/24</a:t>
+              <a:t>10/8/24</a:t>
             </a:fld>
             <a:endParaRPr lang="en-US"/>
           </a:p>
@@ -3219,6 +3220,92 @@
           <p:cNvPr id="2" name="Title 1">
             <a:extLst>
               <a:ext uri="{FF2B5EF4-FFF2-40B4-BE49-F238E27FC236}">
+                <a16:creationId xmlns:a16="http://schemas.microsoft.com/office/drawing/2014/main" id="{9C168FBC-8CEE-ADC4-4E20-FA54F8130209}"/>
+              </a:ext>
+            </a:extLst>
+          </p:cNvPr>
+          <p:cNvSpPr>
+            <a:spLocks noGrp="1"/>
+          </p:cNvSpPr>
+          <p:nvPr>
+            <p:ph type="title"/>
+          </p:nvPr>
+        </p:nvSpPr>
+        <p:spPr/>
+        <p:txBody>
+          <a:bodyPr/>
+          <a:lstStyle/>
+          <a:p>
+            <a:r>
+              <a:rPr lang="en-US" dirty="0"/>
+              <a:t>Synchronous</a:t>
+            </a:r>
+          </a:p>
+        </p:txBody>
+      </p:sp>
+      <p:sp>
+        <p:nvSpPr>
+          <p:cNvPr id="3" name="Content Placeholder 2">
+            <a:extLst>
+              <a:ext uri="{FF2B5EF4-FFF2-40B4-BE49-F238E27FC236}">
+                <a16:creationId xmlns:a16="http://schemas.microsoft.com/office/drawing/2014/main" id="{F1DCA03A-C791-6188-E857-F4154A4CD825}"/>
+              </a:ext>
+            </a:extLst>
+          </p:cNvPr>
+          <p:cNvSpPr>
+            <a:spLocks noGrp="1"/>
+          </p:cNvSpPr>
+          <p:nvPr>
+            <p:ph idx="1"/>
+          </p:nvPr>
+        </p:nvSpPr>
+        <p:spPr/>
+        <p:txBody>
+          <a:bodyPr/>
+          <a:lstStyle/>
+          <a:p>
+            <a:r>
+              <a:rPr lang="en-US" dirty="0"/>
+              <a:t>Demo code of posts example in our week6 folder.</a:t>
+            </a:r>
+          </a:p>
+        </p:txBody>
+      </p:sp>
+    </p:spTree>
+    <p:extLst>
+      <p:ext uri="{BB962C8B-B14F-4D97-AF65-F5344CB8AC3E}">
+        <p14:creationId xmlns:p14="http://schemas.microsoft.com/office/powerpoint/2010/main" val="1408832354"/>
+      </p:ext>
+    </p:extLst>
+  </p:cSld>
+  <p:clrMapOvr>
+    <a:masterClrMapping/>
+  </p:clrMapOvr>
+</p:sld>
+</file>
+
+<file path=ppt/slides/slide4.xml><?xml version="1.0" encoding="utf-8"?>
+<p:sld xmlns:a="http://schemas.openxmlformats.org/drawingml/2006/main" xmlns:r="http://schemas.openxmlformats.org/officeDocument/2006/relationships" xmlns:p="http://schemas.openxmlformats.org/presentationml/2006/main">
+  <p:cSld>
+    <p:spTree>
+      <p:nvGrpSpPr>
+        <p:cNvPr id="1" name=""/>
+        <p:cNvGrpSpPr/>
+        <p:nvPr/>
+      </p:nvGrpSpPr>
+      <p:grpSpPr>
+        <a:xfrm>
+          <a:off x="0" y="0"/>
+          <a:ext cx="0" cy="0"/>
+          <a:chOff x="0" y="0"/>
+          <a:chExt cx="0" cy="0"/>
+        </a:xfrm>
+      </p:grpSpPr>
+      <p:sp>
+        <p:nvSpPr>
+          <p:cNvPr id="2" name="Title 1">
+            <a:extLst>
+              <a:ext uri="{FF2B5EF4-FFF2-40B4-BE49-F238E27FC236}">
                 <a16:creationId xmlns:a16="http://schemas.microsoft.com/office/drawing/2014/main" id="{B624D594-AE6B-653C-CE7A-861627FADEB4}"/>
               </a:ext>
             </a:extLst>
@@ -3265,7 +3352,19 @@
           <a:p>
             <a:r>
               <a:rPr lang="en-US" dirty="0"/>
-              <a:t>AJAX is a term coined in 2005 by Jesse James Garrett that refers to an approach to web development that uses dynamic requests to a server to update portions of a page at runtime. </a:t>
+              <a:t>AJAX is a term coined in 2005 by Jesse James Garrett that refers to an approach to web development that uses dynamic requests to a server to </a:t>
+            </a:r>
+            <a:r>
+              <a:rPr lang="en-US" dirty="0">
+                <a:solidFill>
+                  <a:srgbClr val="FFFF00"/>
+                </a:solidFill>
+              </a:rPr>
+              <a:t>update portions of a page at runtime</a:t>
+            </a:r>
+            <a:r>
+              <a:rPr lang="en-US" dirty="0"/>
+              <a:t>. </a:t>
             </a:r>
           </a:p>
           <a:p>
@@ -3301,7 +3400,7 @@
 </p:sld>
 </file>
 
-<file path=ppt/slides/slide4.xml><?xml version="1.0" encoding="utf-8"?>
+<file path=ppt/slides/slide5.xml><?xml version="1.0" encoding="utf-8"?>
 <p:sld xmlns:a="http://schemas.openxmlformats.org/drawingml/2006/main" xmlns:r="http://schemas.openxmlformats.org/officeDocument/2006/relationships" xmlns:p="http://schemas.openxmlformats.org/presentationml/2006/main">
   <p:cSld>
     <p:spTree>
